--- a/Session2-Everythin_looks_the_same_in_boxes-Introduction_to_containerization/IT_forum_Budapest-Docker_in_CI.pptx
+++ b/Session2-Everythin_looks_the_same_in_boxes-Introduction_to_containerization/IT_forum_Budapest-Docker_in_CI.pptx
@@ -3408,7 +3408,7 @@
           <a:bodyPr lIns="0" rIns="0" tIns="0" bIns="0"/>
           <a:p>
             <a:pPr algn="r"/>
-            <a:fld id="{9A9BC6C5-0EF5-4076-A2C7-921D4EB4B1EB}" type="slidenum">
+            <a:fld id="{558FB195-756E-42DF-A638-5870D87AECD7}" type="slidenum">
               <a:rPr b="0" lang="en-US" sz="1400" spc="-1" strike="noStrike">
                 <a:solidFill>
                   <a:srgbClr val="000000"/>
@@ -3718,7 +3718,7 @@
                 <a:spcPct val="100000"/>
               </a:lnSpc>
             </a:pPr>
-            <a:fld id="{AA96D5D0-2C78-4FB7-875C-1944E4949CC8}" type="slidenum">
+            <a:fld id="{BAC6233E-4C5F-4CDC-A286-8DA0356A429C}" type="slidenum">
               <a:rPr b="0" lang="en-US" sz="800" spc="-1" strike="noStrike">
                 <a:solidFill>
                   <a:srgbClr val="cccccc"/>
@@ -4226,7 +4226,7 @@
           <a:bodyPr lIns="0" rIns="0" tIns="0" bIns="0"/>
           <a:p>
             <a:pPr algn="r"/>
-            <a:fld id="{56FA19F1-B718-4670-8172-D8B293A032E5}" type="slidenum">
+            <a:fld id="{DA7CA7A2-5DA8-4328-A40E-34EDD45BA072}" type="slidenum">
               <a:rPr b="0" lang="en-US" sz="1400" spc="-1" strike="noStrike">
                 <a:solidFill>
                   <a:srgbClr val="000000"/>
@@ -4450,6 +4450,33 @@
       </p:sp>
     </p:spTree>
   </p:cSld>
+  <p:timing>
+    <p:tnLst>
+      <p:par>
+        <p:cTn id="1" dur="indefinite" restart="never" nodeType="tmRoot">
+          <p:childTnLst>
+            <p:seq>
+              <p:cTn id="2" nodeType="mainSeq"/>
+              <p:prevCondLst>
+                <p:cond delay="0" evt="onPrev">
+                  <p:tgtEl>
+                    <p:sldTgt/>
+                  </p:tgtEl>
+                </p:cond>
+              </p:prevCondLst>
+              <p:nextCondLst>
+                <p:cond delay="0" evt="onNext">
+                  <p:tgtEl>
+                    <p:sldTgt/>
+                  </p:tgtEl>
+                </p:cond>
+              </p:nextCondLst>
+            </p:seq>
+          </p:childTnLst>
+        </p:cTn>
+      </p:par>
+    </p:tnLst>
+  </p:timing>
 </p:sld>
 </file>
 
@@ -5115,10 +5142,10 @@
   <p:timing>
     <p:tnLst>
       <p:par>
-        <p:cTn id="1" dur="indefinite" restart="never" nodeType="tmRoot">
+        <p:cTn id="3" dur="indefinite" restart="never" nodeType="tmRoot">
           <p:childTnLst>
             <p:seq>
-              <p:cTn id="2" nodeType="mainSeq"/>
+              <p:cTn id="4" nodeType="mainSeq"/>
               <p:prevCondLst>
                 <p:cond delay="0" evt="onPrev">
                   <p:tgtEl>
@@ -5991,6 +6018,33 @@
       </p:sp>
     </p:spTree>
   </p:cSld>
+  <p:timing>
+    <p:tnLst>
+      <p:par>
+        <p:cTn id="5" dur="indefinite" restart="never" nodeType="tmRoot">
+          <p:childTnLst>
+            <p:seq>
+              <p:cTn id="6" nodeType="mainSeq"/>
+              <p:prevCondLst>
+                <p:cond delay="0" evt="onPrev">
+                  <p:tgtEl>
+                    <p:sldTgt/>
+                  </p:tgtEl>
+                </p:cond>
+              </p:prevCondLst>
+              <p:nextCondLst>
+                <p:cond delay="0" evt="onNext">
+                  <p:tgtEl>
+                    <p:sldTgt/>
+                  </p:tgtEl>
+                </p:cond>
+              </p:nextCondLst>
+            </p:seq>
+          </p:childTnLst>
+        </p:cTn>
+      </p:par>
+    </p:tnLst>
+  </p:timing>
 </p:sld>
 </file>
 
@@ -7164,6 +7218,33 @@
       </p:sp>
     </p:spTree>
   </p:cSld>
+  <p:timing>
+    <p:tnLst>
+      <p:par>
+        <p:cTn id="7" dur="indefinite" restart="never" nodeType="tmRoot">
+          <p:childTnLst>
+            <p:seq>
+              <p:cTn id="8" nodeType="mainSeq"/>
+              <p:prevCondLst>
+                <p:cond delay="0" evt="onPrev">
+                  <p:tgtEl>
+                    <p:sldTgt/>
+                  </p:tgtEl>
+                </p:cond>
+              </p:prevCondLst>
+              <p:nextCondLst>
+                <p:cond delay="0" evt="onNext">
+                  <p:tgtEl>
+                    <p:sldTgt/>
+                  </p:tgtEl>
+                </p:cond>
+              </p:nextCondLst>
+            </p:seq>
+          </p:childTnLst>
+        </p:cTn>
+      </p:par>
+    </p:tnLst>
+  </p:timing>
 </p:sld>
 </file>
 
@@ -8707,6 +8788,33 @@
       </p:graphicFrame>
     </p:spTree>
   </p:cSld>
+  <p:timing>
+    <p:tnLst>
+      <p:par>
+        <p:cTn id="9" dur="indefinite" restart="never" nodeType="tmRoot">
+          <p:childTnLst>
+            <p:seq>
+              <p:cTn id="10" nodeType="mainSeq"/>
+              <p:prevCondLst>
+                <p:cond delay="0" evt="onPrev">
+                  <p:tgtEl>
+                    <p:sldTgt/>
+                  </p:tgtEl>
+                </p:cond>
+              </p:prevCondLst>
+              <p:nextCondLst>
+                <p:cond delay="0" evt="onNext">
+                  <p:tgtEl>
+                    <p:sldTgt/>
+                  </p:tgtEl>
+                </p:cond>
+              </p:nextCondLst>
+            </p:seq>
+          </p:childTnLst>
+        </p:cTn>
+      </p:par>
+    </p:tnLst>
+  </p:timing>
 </p:sld>
 </file>
 
@@ -9493,6 +9601,33 @@
       </p:graphicFrame>
     </p:spTree>
   </p:cSld>
+  <p:timing>
+    <p:tnLst>
+      <p:par>
+        <p:cTn id="11" dur="indefinite" restart="never" nodeType="tmRoot">
+          <p:childTnLst>
+            <p:seq>
+              <p:cTn id="12" nodeType="mainSeq"/>
+              <p:prevCondLst>
+                <p:cond delay="0" evt="onPrev">
+                  <p:tgtEl>
+                    <p:sldTgt/>
+                  </p:tgtEl>
+                </p:cond>
+              </p:prevCondLst>
+              <p:nextCondLst>
+                <p:cond delay="0" evt="onNext">
+                  <p:tgtEl>
+                    <p:sldTgt/>
+                  </p:tgtEl>
+                </p:cond>
+              </p:nextCondLst>
+            </p:seq>
+          </p:childTnLst>
+        </p:cTn>
+      </p:par>
+    </p:tnLst>
+  </p:timing>
 </p:sld>
 </file>
 
@@ -9590,6 +9725,33 @@
       </p:pic>
     </p:spTree>
   </p:cSld>
+  <p:timing>
+    <p:tnLst>
+      <p:par>
+        <p:cTn id="13" dur="indefinite" restart="never" nodeType="tmRoot">
+          <p:childTnLst>
+            <p:seq>
+              <p:cTn id="14" nodeType="mainSeq"/>
+              <p:prevCondLst>
+                <p:cond delay="0" evt="onPrev">
+                  <p:tgtEl>
+                    <p:sldTgt/>
+                  </p:tgtEl>
+                </p:cond>
+              </p:prevCondLst>
+              <p:nextCondLst>
+                <p:cond delay="0" evt="onNext">
+                  <p:tgtEl>
+                    <p:sldTgt/>
+                  </p:tgtEl>
+                </p:cond>
+              </p:nextCondLst>
+            </p:seq>
+          </p:childTnLst>
+        </p:cTn>
+      </p:par>
+    </p:tnLst>
+  </p:timing>
 </p:sld>
 </file>
 
@@ -10305,6 +10467,33 @@
       </p:sp>
     </p:spTree>
   </p:cSld>
+  <p:timing>
+    <p:tnLst>
+      <p:par>
+        <p:cTn id="15" dur="indefinite" restart="never" nodeType="tmRoot">
+          <p:childTnLst>
+            <p:seq>
+              <p:cTn id="16" nodeType="mainSeq"/>
+              <p:prevCondLst>
+                <p:cond delay="0" evt="onPrev">
+                  <p:tgtEl>
+                    <p:sldTgt/>
+                  </p:tgtEl>
+                </p:cond>
+              </p:prevCondLst>
+              <p:nextCondLst>
+                <p:cond delay="0" evt="onNext">
+                  <p:tgtEl>
+                    <p:sldTgt/>
+                  </p:tgtEl>
+                </p:cond>
+              </p:nextCondLst>
+            </p:seq>
+          </p:childTnLst>
+        </p:cTn>
+      </p:par>
+    </p:tnLst>
+  </p:timing>
 </p:sld>
 </file>
 
@@ -11114,6 +11303,33 @@
       </p:sp>
     </p:spTree>
   </p:cSld>
+  <p:timing>
+    <p:tnLst>
+      <p:par>
+        <p:cTn id="17" dur="indefinite" restart="never" nodeType="tmRoot">
+          <p:childTnLst>
+            <p:seq>
+              <p:cTn id="18" nodeType="mainSeq"/>
+              <p:prevCondLst>
+                <p:cond delay="0" evt="onPrev">
+                  <p:tgtEl>
+                    <p:sldTgt/>
+                  </p:tgtEl>
+                </p:cond>
+              </p:prevCondLst>
+              <p:nextCondLst>
+                <p:cond delay="0" evt="onNext">
+                  <p:tgtEl>
+                    <p:sldTgt/>
+                  </p:tgtEl>
+                </p:cond>
+              </p:nextCondLst>
+            </p:seq>
+          </p:childTnLst>
+        </p:cTn>
+      </p:par>
+    </p:tnLst>
+  </p:timing>
 </p:sld>
 </file>
 
